--- a/Automationdashboard/MAIN_FOLDER/Automation_Dashboard_Batterywise/V2/D12_03_2024/B4_B04_12.49_13.49/analysis_B4_B04_12.49_13.49.pptx
+++ b/Automationdashboard/MAIN_FOLDER/Automation_Dashboard_Batterywise/V2/D12_03_2024/B4_B04_12.49_13.49/analysis_B4_B04_12.49_13.49.pptx
@@ -3376,6 +3376,32 @@
                     <a:lstStyle/>
                     <a:p>
                       <a:r>
+                        <a:t>99.0</a:t>
+                      </a:r>
+                    </a:p>
+                  </a:txBody>
+                  <a:tcPr/>
+                </a:tc>
+              </a:tr>
+              <a:tr h="326571">
+                <a:tc>
+                  <a:txBody>
+                    <a:bodyPr/>
+                    <a:lstStyle/>
+                    <a:p>
+                      <a:r>
+                        <a:t>Ending SoC (%)</a:t>
+                      </a:r>
+                    </a:p>
+                  </a:txBody>
+                  <a:tcPr/>
+                </a:tc>
+                <a:tc>
+                  <a:txBody>
+                    <a:bodyPr/>
+                    <a:lstStyle/>
+                    <a:p>
+                      <a:r>
                         <a:t>19.0</a:t>
                       </a:r>
                     </a:p>
@@ -3390,19 +3416,19 @@
                     <a:lstStyle/>
                     <a:p>
                       <a:r>
-                        <a:t>Ending SoC (%)</a:t>
-                      </a:r>
-                    </a:p>
-                  </a:txBody>
-                  <a:tcPr/>
-                </a:tc>
-                <a:tc>
-                  <a:txBody>
-                    <a:bodyPr/>
-                    <a:lstStyle/>
-                    <a:p>
-                      <a:r>
-                        <a:t>99.0</a:t>
+                        <a:t>Total distance covered (km)</a:t>
+                      </a:r>
+                    </a:p>
+                  </a:txBody>
+                  <a:tcPr/>
+                </a:tc>
+                <a:tc>
+                  <a:txBody>
+                    <a:bodyPr/>
+                    <a:lstStyle/>
+                    <a:p>
+                      <a:r>
+                        <a:t>41.76006180344882</a:t>
                       </a:r>
                     </a:p>
                   </a:txBody>
@@ -3416,19 +3442,19 @@
                     <a:lstStyle/>
                     <a:p>
                       <a:r>
-                        <a:t>Total distance covered (in kilometers)</a:t>
-                      </a:r>
-                    </a:p>
-                  </a:txBody>
-                  <a:tcPr/>
-                </a:tc>
-                <a:tc>
-                  <a:txBody>
-                    <a:bodyPr/>
-                    <a:lstStyle/>
-                    <a:p>
-                      <a:r>
-                        <a:t>41.76006180344882</a:t>
+                        <a:t>Total energy consumption(WH/KM)</a:t>
+                      </a:r>
+                    </a:p>
+                  </a:txBody>
+                  <a:tcPr/>
+                </a:tc>
+                <a:tc>
+                  <a:txBody>
+                    <a:bodyPr/>
+                    <a:lstStyle/>
+                    <a:p>
+                      <a:r>
+                        <a:t>39.50029315272026</a:t>
                       </a:r>
                     </a:p>
                   </a:txBody>
@@ -3442,19 +3468,19 @@
                     <a:lstStyle/>
                     <a:p>
                       <a:r>
-                        <a:t>WH/KM</a:t>
-                      </a:r>
-                    </a:p>
-                  </a:txBody>
-                  <a:tcPr/>
-                </a:tc>
-                <a:tc>
-                  <a:txBody>
-                    <a:bodyPr/>
-                    <a:lstStyle/>
-                    <a:p>
-                      <a:r>
-                        <a:t>39.50029315272026</a:t>
+                        <a:t>Total SOC consumed(%)</a:t>
+                      </a:r>
+                    </a:p>
+                  </a:txBody>
+                  <a:tcPr/>
+                </a:tc>
+                <a:tc>
+                  <a:txBody>
+                    <a:bodyPr/>
+                    <a:lstStyle/>
+                    <a:p>
+                      <a:r>
+                        <a:t>80.0</a:t>
                       </a:r>
                     </a:p>
                   </a:txBody>
@@ -3468,19 +3494,34 @@
                     <a:lstStyle/>
                     <a:p>
                       <a:r>
-                        <a:t>Total SOC consumed</a:t>
-                      </a:r>
-                    </a:p>
-                  </a:txBody>
-                  <a:tcPr/>
-                </a:tc>
-                <a:tc>
-                  <a:txBody>
-                    <a:bodyPr/>
-                    <a:lstStyle/>
-                    <a:p>
-                      <a:r>
-                        <a:t>80.0</a:t>
+                        <a:t>Mode</a:t>
+                      </a:r>
+                    </a:p>
+                  </a:txBody>
+                  <a:tcPr/>
+                </a:tc>
+                <a:tc>
+                  <a:txBody>
+                    <a:bodyPr/>
+                    <a:lstStyle/>
+                    <a:p>
+                      <a:r>
+                        <a:t>Custom mode</a:t>
+                      </a:r>
+                    </a:p>
+                    <a:p>
+                      <a:r>
+                        <a:t>75.45%</a:t>
+                      </a:r>
+                    </a:p>
+                    <a:p>
+                      <a:r>
+                        <a:t>Eco mode</a:t>
+                      </a:r>
+                    </a:p>
+                    <a:p>
+                      <a:r>
+                        <a:t>14.88%</a:t>
                       </a:r>
                     </a:p>
                   </a:txBody>
@@ -3494,48 +3535,7 @@
                     <a:lstStyle/>
                     <a:p>
                       <a:r>
-                        <a:t>Mode</a:t>
-                      </a:r>
-                    </a:p>
-                  </a:txBody>
-                  <a:tcPr/>
-                </a:tc>
-                <a:tc>
-                  <a:txBody>
-                    <a:bodyPr/>
-                    <a:lstStyle/>
-                    <a:p>
-                      <a:r>
-                        <a:t>Custom mode</a:t>
-                      </a:r>
-                    </a:p>
-                    <a:p>
-                      <a:r>
-                        <a:t>75.45%</a:t>
-                      </a:r>
-                    </a:p>
-                    <a:p>
-                      <a:r>
-                        <a:t>Eco mode</a:t>
-                      </a:r>
-                    </a:p>
-                    <a:p>
-                      <a:r>
-                        <a:t>14.88%</a:t>
-                      </a:r>
-                    </a:p>
-                  </a:txBody>
-                  <a:tcPr/>
-                </a:tc>
-              </a:tr>
-              <a:tr h="326571">
-                <a:tc>
-                  <a:txBody>
-                    <a:bodyPr/>
-                    <a:lstStyle/>
-                    <a:p>
-                      <a:r>
-                        <a:t>Peak Power</a:t>
+                        <a:t>Peak Power(kW)</a:t>
                       </a:r>
                     </a:p>
                   </a:txBody>
@@ -3561,7 +3561,7 @@
                     <a:lstStyle/>
                     <a:p>
                       <a:r>
-                        <a:t>Average Power</a:t>
+                        <a:t>Average Power(kW)</a:t>
                       </a:r>
                     </a:p>
                   </a:txBody>
@@ -3678,7 +3678,7 @@
                     <a:lstStyle/>
                     <a:p>
                       <a:r>
-                        <a:t>Total Energy Regenerated</a:t>
+                        <a:t>Total Energy Regenerated(kWh)</a:t>
                       </a:r>
                     </a:p>
                   </a:txBody>
@@ -3704,19 +3704,19 @@
                     <a:lstStyle/>
                     <a:p>
                       <a:r>
-                        <a:t>Regenerative Effectiveness</a:t>
-                      </a:r>
-                    </a:p>
-                  </a:txBody>
-                  <a:tcPr/>
-                </a:tc>
-                <a:tc>
-                  <a:txBody>
-                    <a:bodyPr/>
-                    <a:lstStyle/>
-                    <a:p>
-                      <a:r>
-                        <a:t>-0.012506592914194505</a:t>
+                        <a:t>Regenerative Effectiveness(%)</a:t>
+                      </a:r>
+                    </a:p>
+                  </a:txBody>
+                  <a:tcPr/>
+                </a:tc>
+                <a:tc>
+                  <a:txBody>
+                    <a:bodyPr/>
+                    <a:lstStyle/>
+                    <a:p>
+                      <a:r>
+                        <a:t>0.012506592914194505</a:t>
                       </a:r>
                     </a:p>
                   </a:txBody>
@@ -3730,7 +3730,33 @@
                     <a:lstStyle/>
                     <a:p>
                       <a:r>
-                        <a:t>Lowest Cell Voltage</a:t>
+                        <a:t>Highest Cell Voltage(V)</a:t>
+                      </a:r>
+                    </a:p>
+                  </a:txBody>
+                  <a:tcPr/>
+                </a:tc>
+                <a:tc>
+                  <a:txBody>
+                    <a:bodyPr/>
+                    <a:lstStyle/>
+                    <a:p>
+                      <a:r>
+                        <a:t>3.46</a:t>
+                      </a:r>
+                    </a:p>
+                  </a:txBody>
+                  <a:tcPr/>
+                </a:tc>
+              </a:tr>
+              <a:tr h="326571">
+                <a:tc>
+                  <a:txBody>
+                    <a:bodyPr/>
+                    <a:lstStyle/>
+                    <a:p>
+                      <a:r>
+                        <a:t>Lowest Cell Voltage(V)</a:t>
                       </a:r>
                     </a:p>
                   </a:txBody>
@@ -3756,19 +3782,19 @@
                     <a:lstStyle/>
                     <a:p>
                       <a:r>
-                        <a:t>Highest Cell Voltage</a:t>
-                      </a:r>
-                    </a:p>
-                  </a:txBody>
-                  <a:tcPr/>
-                </a:tc>
-                <a:tc>
-                  <a:txBody>
-                    <a:bodyPr/>
-                    <a:lstStyle/>
-                    <a:p>
-                      <a:r>
-                        <a:t>3.46</a:t>
+                        <a:t>Difference in Cell Voltage(V)</a:t>
+                      </a:r>
+                    </a:p>
+                  </a:txBody>
+                  <a:tcPr/>
+                </a:tc>
+                <a:tc>
+                  <a:txBody>
+                    <a:bodyPr/>
+                    <a:lstStyle/>
+                    <a:p>
+                      <a:r>
+                        <a:t>0.36499999999999977</a:t>
                       </a:r>
                     </a:p>
                   </a:txBody>
@@ -3782,19 +3808,19 @@
                     <a:lstStyle/>
                     <a:p>
                       <a:r>
-                        <a:t>Difference in Cell Voltage</a:t>
-                      </a:r>
-                    </a:p>
-                  </a:txBody>
-                  <a:tcPr/>
-                </a:tc>
-                <a:tc>
-                  <a:txBody>
-                    <a:bodyPr/>
-                    <a:lstStyle/>
-                    <a:p>
-                      <a:r>
-                        <a:t>0.36499999999999977</a:t>
+                        <a:t>Minimum Temperature(C)</a:t>
+                      </a:r>
+                    </a:p>
+                  </a:txBody>
+                  <a:tcPr/>
+                </a:tc>
+                <a:tc>
+                  <a:txBody>
+                    <a:bodyPr/>
+                    <a:lstStyle/>
+                    <a:p>
+                      <a:r>
+                        <a:t>36.0</a:t>
                       </a:r>
                     </a:p>
                   </a:txBody>
@@ -3808,19 +3834,19 @@
                     <a:lstStyle/>
                     <a:p>
                       <a:r>
-                        <a:t>Minimum Temperature</a:t>
-                      </a:r>
-                    </a:p>
-                  </a:txBody>
-                  <a:tcPr/>
-                </a:tc>
-                <a:tc>
-                  <a:txBody>
-                    <a:bodyPr/>
-                    <a:lstStyle/>
-                    <a:p>
-                      <a:r>
-                        <a:t>36.0</a:t>
+                        <a:t>Maximum Temperature(C)</a:t>
+                      </a:r>
+                    </a:p>
+                  </a:txBody>
+                  <a:tcPr/>
+                </a:tc>
+                <a:tc>
+                  <a:txBody>
+                    <a:bodyPr/>
+                    <a:lstStyle/>
+                    <a:p>
+                      <a:r>
+                        <a:t>45.0</a:t>
                       </a:r>
                     </a:p>
                   </a:txBody>
@@ -3834,19 +3860,19 @@
                     <a:lstStyle/>
                     <a:p>
                       <a:r>
-                        <a:t>Maximum Temperature</a:t>
-                      </a:r>
-                    </a:p>
-                  </a:txBody>
-                  <a:tcPr/>
-                </a:tc>
-                <a:tc>
-                  <a:txBody>
-                    <a:bodyPr/>
-                    <a:lstStyle/>
-                    <a:p>
-                      <a:r>
-                        <a:t>45.0</a:t>
+                        <a:t>Difference in Temperature(C)</a:t>
+                      </a:r>
+                    </a:p>
+                  </a:txBody>
+                  <a:tcPr/>
+                </a:tc>
+                <a:tc>
+                  <a:txBody>
+                    <a:bodyPr/>
+                    <a:lstStyle/>
+                    <a:p>
+                      <a:r>
+                        <a:t>9.0</a:t>
                       </a:r>
                     </a:p>
                   </a:txBody>
@@ -3860,19 +3886,19 @@
                     <a:lstStyle/>
                     <a:p>
                       <a:r>
-                        <a:t>Difference in Temperature</a:t>
-                      </a:r>
-                    </a:p>
-                  </a:txBody>
-                  <a:tcPr/>
-                </a:tc>
-                <a:tc>
-                  <a:txBody>
-                    <a:bodyPr/>
-                    <a:lstStyle/>
-                    <a:p>
-                      <a:r>
-                        <a:t>nan</a:t>
+                        <a:t>Maximum Fet Temperature-BMS(C)</a:t>
+                      </a:r>
+                    </a:p>
+                  </a:txBody>
+                  <a:tcPr/>
+                </a:tc>
+                <a:tc>
+                  <a:txBody>
+                    <a:bodyPr/>
+                    <a:lstStyle/>
+                    <a:p>
+                      <a:r>
+                        <a:t>60.0</a:t>
                       </a:r>
                     </a:p>
                   </a:txBody>
@@ -3886,19 +3912,19 @@
                     <a:lstStyle/>
                     <a:p>
                       <a:r>
-                        <a:t>Maximum Fet Temperature</a:t>
-                      </a:r>
-                    </a:p>
-                  </a:txBody>
-                  <a:tcPr/>
-                </a:tc>
-                <a:tc>
-                  <a:txBody>
-                    <a:bodyPr/>
-                    <a:lstStyle/>
-                    <a:p>
-                      <a:r>
-                        <a:t>60.0</a:t>
+                        <a:t>Maximum Afe Temperature-BMS(C)</a:t>
+                      </a:r>
+                    </a:p>
+                  </a:txBody>
+                  <a:tcPr/>
+                </a:tc>
+                <a:tc>
+                  <a:txBody>
+                    <a:bodyPr/>
+                    <a:lstStyle/>
+                    <a:p>
+                      <a:r>
+                        <a:t>59.0</a:t>
                       </a:r>
                     </a:p>
                   </a:txBody>
@@ -3912,7 +3938,7 @@
                     <a:lstStyle/>
                     <a:p>
                       <a:r>
-                        <a:t>Maximum Afe Temperature</a:t>
+                        <a:t>Maximum PCB Temperature-BMS(C)</a:t>
                       </a:r>
                     </a:p>
                   </a:txBody>
@@ -3938,33 +3964,7 @@
                     <a:lstStyle/>
                     <a:p>
                       <a:r>
-                        <a:t>Maximum PCB Temperature</a:t>
-                      </a:r>
-                    </a:p>
-                  </a:txBody>
-                  <a:tcPr/>
-                </a:tc>
-                <a:tc>
-                  <a:txBody>
-                    <a:bodyPr/>
-                    <a:lstStyle/>
-                    <a:p>
-                      <a:r>
-                        <a:t>59.0</a:t>
-                      </a:r>
-                    </a:p>
-                  </a:txBody>
-                  <a:tcPr/>
-                </a:tc>
-              </a:tr>
-              <a:tr h="326571">
-                <a:tc>
-                  <a:txBody>
-                    <a:bodyPr/>
-                    <a:lstStyle/>
-                    <a:p>
-                      <a:r>
-                        <a:t>Maximum MCU Temperature</a:t>
+                        <a:t>Maximum MCU Temperature(C)</a:t>
                       </a:r>
                     </a:p>
                   </a:txBody>
@@ -3990,7 +3990,7 @@
                     <a:lstStyle/>
                     <a:p>
                       <a:r>
-                        <a:t>Maximum Motor Temperature</a:t>
+                        <a:t>Maximum Motor Temperature(C)</a:t>
                       </a:r>
                     </a:p>
                   </a:txBody>
@@ -4107,7 +4107,7 @@
                     <a:lstStyle/>
                     <a:p>
                       <a:r>
-                        <a:t>Abnormal Motor Temperature Detected</a:t>
+                        <a:t>Abnormal Motor Temperature Detected(C)</a:t>
                       </a:r>
                     </a:p>
                   </a:txBody>
@@ -4133,7 +4133,7 @@
                     <a:lstStyle/>
                     <a:p>
                       <a:r>
-                        <a:t>lowest cell temp</a:t>
+                        <a:t>highest cell temp(C)</a:t>
                       </a:r>
                     </a:p>
                   </a:txBody>
@@ -4159,7 +4159,7 @@
                     <a:lstStyle/>
                     <a:p>
                       <a:r>
-                        <a:t>highest cell temp</a:t>
+                        <a:t>lowest cell temp(C)</a:t>
                       </a:r>
                     </a:p>
                   </a:txBody>
@@ -4185,7 +4185,7 @@
                     <a:lstStyle/>
                     <a:p>
                       <a:r>
-                        <a:t>Difference between Highest and Lowest Cell Temperature at 100% SOC</a:t>
+                        <a:t>Difference between Highest and Lowest Cell Temperature at 100% SOC(C)</a:t>
                       </a:r>
                     </a:p>
                   </a:txBody>
@@ -4211,19 +4211,19 @@
                     <a:lstStyle/>
                     <a:p>
                       <a:r>
-                        <a:t>Maximum BMS Temperature in C</a:t>
-                      </a:r>
-                    </a:p>
-                  </a:txBody>
-                  <a:tcPr/>
-                </a:tc>
-                <a:tc>
-                  <a:txBody>
-                    <a:bodyPr/>
-                    <a:lstStyle/>
-                    <a:p>
-                      <a:r>
-                        <a:t>60.0</a:t>
+                        <a:t>Battery Voltage(V)</a:t>
+                      </a:r>
+                    </a:p>
+                  </a:txBody>
+                  <a:tcPr/>
+                </a:tc>
+                <a:tc>
+                  <a:txBody>
+                    <a:bodyPr/>
+                    <a:lstStyle/>
+                    <a:p>
+                      <a:r>
+                        <a:t>54.0</a:t>
                       </a:r>
                     </a:p>
                   </a:txBody>
@@ -4237,19 +4237,19 @@
                     <a:lstStyle/>
                     <a:p>
                       <a:r>
-                        <a:t>Battery Voltage</a:t>
-                      </a:r>
-                    </a:p>
-                  </a:txBody>
-                  <a:tcPr/>
-                </a:tc>
-                <a:tc>
-                  <a:txBody>
-                    <a:bodyPr/>
-                    <a:lstStyle/>
-                    <a:p>
-                      <a:r>
-                        <a:t>5.4</a:t>
+                        <a:t>Total energy charged(kWh)</a:t>
+                      </a:r>
+                    </a:p>
+                  </a:txBody>
+                  <a:tcPr/>
+                </a:tc>
+                <a:tc>
+                  <a:txBody>
+                    <a:bodyPr/>
+                    <a:lstStyle/>
+                    <a:p>
+                      <a:r>
+                        <a:t>1.7385247350000002</a:t>
                       </a:r>
                     </a:p>
                   </a:txBody>
@@ -4263,19 +4263,19 @@
                     <a:lstStyle/>
                     <a:p>
                       <a:r>
-                        <a:t>Total energy charged in kWh</a:t>
-                      </a:r>
-                    </a:p>
-                  </a:txBody>
-                  <a:tcPr/>
-                </a:tc>
-                <a:tc>
-                  <a:txBody>
-                    <a:bodyPr/>
-                    <a:lstStyle/>
-                    <a:p>
-                      <a:r>
-                        <a:t>0.17385247350000002</a:t>
+                        <a:t>Electricity consumption units(kW)</a:t>
+                      </a:r>
+                    </a:p>
+                  </a:txBody>
+                  <a:tcPr/>
+                </a:tc>
+                <a:tc>
+                  <a:txBody>
+                    <a:bodyPr/>
+                    <a:lstStyle/>
+                    <a:p>
+                      <a:r>
+                        <a:t>1.2762249933932348e-07</a:t>
                       </a:r>
                     </a:p>
                   </a:txBody>
@@ -4289,19 +4289,19 @@
                     <a:lstStyle/>
                     <a:p>
                       <a:r>
-                        <a:t>Electricity consumption units in kW</a:t>
-                      </a:r>
-                    </a:p>
-                  </a:txBody>
-                  <a:tcPr/>
-                </a:tc>
-                <a:tc>
-                  <a:txBody>
-                    <a:bodyPr/>
-                    <a:lstStyle/>
-                    <a:p>
-                      <a:r>
-                        <a:t>1.2762249933932349e-08</a:t>
+                        <a:t>Idling time percentage</a:t>
+                      </a:r>
+                    </a:p>
+                  </a:txBody>
+                  <a:tcPr/>
+                </a:tc>
+                <a:tc>
+                  <a:txBody>
+                    <a:bodyPr/>
+                    <a:lstStyle/>
+                    <a:p>
+                      <a:r>
+                        <a:t>16.955087985525434</a:t>
                       </a:r>
                     </a:p>
                   </a:txBody>
@@ -4315,19 +4315,19 @@
                     <a:lstStyle/>
                     <a:p>
                       <a:r>
-                        <a:t>Idling time percentage</a:t>
-                      </a:r>
-                    </a:p>
-                  </a:txBody>
-                  <a:tcPr/>
-                </a:tc>
-                <a:tc>
-                  <a:txBody>
-                    <a:bodyPr/>
-                    <a:lstStyle/>
-                    <a:p>
-                      <a:r>
-                        <a:t>16.208013540724313</a:t>
+                        <a:t>Time spent in 0-10 km/h</a:t>
+                      </a:r>
+                    </a:p>
+                  </a:txBody>
+                  <a:tcPr/>
+                </a:tc>
+                <a:tc>
+                  <a:txBody>
+                    <a:bodyPr/>
+                    <a:lstStyle/>
+                    <a:p>
+                      <a:r>
+                        <a:t>3.1867394286047803</a:t>
                       </a:r>
                     </a:p>
                   </a:txBody>
@@ -4341,19 +4341,19 @@
                     <a:lstStyle/>
                     <a:p>
                       <a:r>
-                        <a:t>Time spent in 0-10 km/h</a:t>
-                      </a:r>
-                    </a:p>
-                  </a:txBody>
-                  <a:tcPr/>
-                </a:tc>
-                <a:tc>
-                  <a:txBody>
-                    <a:bodyPr/>
-                    <a:lstStyle/>
-                    <a:p>
-                      <a:r>
-                        <a:t>19.394752969329094</a:t>
+                        <a:t>Time spent in 10-20 km/h</a:t>
+                      </a:r>
+                    </a:p>
+                  </a:txBody>
+                  <a:tcPr/>
+                </a:tc>
+                <a:tc>
+                  <a:txBody>
+                    <a:bodyPr/>
+                    <a:lstStyle/>
+                    <a:p>
+                      <a:r>
+                        <a:t>3.318061108354977</a:t>
                       </a:r>
                     </a:p>
                   </a:txBody>
@@ -4367,19 +4367,19 @@
                     <a:lstStyle/>
                     <a:p>
                       <a:r>
-                        <a:t>Time spent in 10-20 km/h</a:t>
-                      </a:r>
-                    </a:p>
-                  </a:txBody>
-                  <a:tcPr/>
-                </a:tc>
-                <a:tc>
-                  <a:txBody>
-                    <a:bodyPr/>
-                    <a:lstStyle/>
-                    <a:p>
-                      <a:r>
-                        <a:t>3.323897627454986</a:t>
+                        <a:t>Time spent in 20-30 km/h</a:t>
+                      </a:r>
+                    </a:p>
+                  </a:txBody>
+                  <a:tcPr/>
+                </a:tc>
+                <a:tc>
+                  <a:txBody>
+                    <a:bodyPr/>
+                    <a:lstStyle/>
+                    <a:p>
+                      <a:r>
+                        <a:t>2.9678699623544516</a:t>
                       </a:r>
                     </a:p>
                   </a:txBody>
@@ -4393,19 +4393,19 @@
                     <a:lstStyle/>
                     <a:p>
                       <a:r>
-                        <a:t>Time spent in 20-30 km/h</a:t>
-                      </a:r>
-                    </a:p>
-                  </a:txBody>
-                  <a:tcPr/>
-                </a:tc>
-                <a:tc>
-                  <a:txBody>
-                    <a:bodyPr/>
-                    <a:lstStyle/>
-                    <a:p>
-                      <a:r>
-                        <a:t>2.9737064814544607</a:t>
+                        <a:t>Time spent in 30-40 km/h</a:t>
+                      </a:r>
+                    </a:p>
+                  </a:txBody>
+                  <a:tcPr/>
+                </a:tc>
+                <a:tc>
+                  <a:txBody>
+                    <a:bodyPr/>
+                    <a:lstStyle/>
+                    <a:p>
+                      <a:r>
+                        <a:t>14.217760527621326</a:t>
                       </a:r>
                     </a:p>
                   </a:txBody>
@@ -4419,19 +4419,19 @@
                     <a:lstStyle/>
                     <a:p>
                       <a:r>
-                        <a:t>Time spent in 30-40 km/h</a:t>
-                      </a:r>
-                    </a:p>
-                  </a:txBody>
-                  <a:tcPr/>
-                </a:tc>
-                <a:tc>
-                  <a:txBody>
-                    <a:bodyPr/>
-                    <a:lstStyle/>
-                    <a:p>
-                      <a:r>
-                        <a:t>14.217760527621326</a:t>
+                        <a:t>Time spent in 40-50 km/h</a:t>
+                      </a:r>
+                    </a:p>
+                  </a:txBody>
+                  <a:tcPr/>
+                </a:tc>
+                <a:tc>
+                  <a:txBody>
+                    <a:bodyPr/>
+                    <a:lstStyle/>
+                    <a:p>
+                      <a:r>
+                        <a:t>9.656520850964485</a:t>
                       </a:r>
                     </a:p>
                   </a:txBody>
@@ -4536,19 +4536,19 @@
                     <a:lstStyle/>
                     <a:p>
                       <a:r>
-                        <a:t>Time spent in 40-50 km/h</a:t>
-                      </a:r>
-                    </a:p>
-                  </a:txBody>
-                  <a:tcPr/>
-                </a:tc>
-                <a:tc>
-                  <a:txBody>
-                    <a:bodyPr/>
-                    <a:lstStyle/>
-                    <a:p>
-                      <a:r>
-                        <a:t>9.67403040826451</a:t>
+                        <a:t>Time spent in 50-60 km/h</a:t>
+                      </a:r>
+                    </a:p>
+                  </a:txBody>
+                  <a:tcPr/>
+                </a:tc>
+                <a:tc>
+                  <a:txBody>
+                    <a:bodyPr/>
+                    <a:lstStyle/>
+                    <a:p>
+                      <a:r>
+                        <a:t>42.17468701666326</a:t>
                       </a:r>
                     </a:p>
                   </a:txBody>
@@ -4562,19 +4562,19 @@
                     <a:lstStyle/>
                     <a:p>
                       <a:r>
-                        <a:t>Time spent in 50-60 km/h</a:t>
-                      </a:r>
-                    </a:p>
-                  </a:txBody>
-                  <a:tcPr/>
-                </a:tc>
-                <a:tc>
-                  <a:txBody>
-                    <a:bodyPr/>
-                    <a:lstStyle/>
-                    <a:p>
-                      <a:r>
-                        <a:t>42.195114833513294</a:t>
+                        <a:t>Time spent in 60-70 km/h</a:t>
+                      </a:r>
+                    </a:p>
+                  </a:txBody>
+                  <a:tcPr/>
+                </a:tc>
+                <a:tc>
+                  <a:txBody>
+                    <a:bodyPr/>
+                    <a:lstStyle/>
+                    <a:p>
+                      <a:r>
+                        <a:t>7.409460997461115</a:t>
                       </a:r>
                     </a:p>
                   </a:txBody>
@@ -4588,19 +4588,19 @@
                     <a:lstStyle/>
                     <a:p>
                       <a:r>
-                        <a:t>Time spent in 60-70 km/h</a:t>
-                      </a:r>
-                    </a:p>
-                  </a:txBody>
-                  <a:tcPr/>
-                </a:tc>
-                <a:tc>
-                  <a:txBody>
-                    <a:bodyPr/>
-                    <a:lstStyle/>
-                    <a:p>
-                      <a:r>
-                        <a:t>7.47366270756121</a:t>
+                        <a:t>Time spent in 70-80 km/h</a:t>
+                      </a:r>
+                    </a:p>
+                  </a:txBody>
+                  <a:tcPr/>
+                </a:tc>
+                <a:tc>
+                  <a:txBody>
+                    <a:bodyPr/>
+                    <a:lstStyle/>
+                    <a:p>
+                      <a:r>
+                        <a:t>0.0</a:t>
                       </a:r>
                     </a:p>
                   </a:txBody>
@@ -4612,15 +4612,23 @@
                   <a:txBody>
                     <a:bodyPr/>
                     <a:lstStyle/>
-                    <a:p/>
-                  </a:txBody>
-                  <a:tcPr/>
-                </a:tc>
-                <a:tc>
-                  <a:txBody>
-                    <a:bodyPr/>
-                    <a:lstStyle/>
-                    <a:p/>
+                    <a:p>
+                      <a:r>
+                        <a:t>Time spent in 80-90 km/h</a:t>
+                      </a:r>
+                    </a:p>
+                  </a:txBody>
+                  <a:tcPr/>
+                </a:tc>
+                <a:tc>
+                  <a:txBody>
+                    <a:bodyPr/>
+                    <a:lstStyle/>
+                    <a:p>
+                      <a:r>
+                        <a:t>0.0</a:t>
+                      </a:r>
+                    </a:p>
                   </a:txBody>
                   <a:tcPr/>
                 </a:tc>

--- a/Automationdashboard/MAIN_FOLDER/Automation_Dashboard_Batterywise/V2/D12_03_2024/B4_B04_12.49_13.49/analysis_B4_B04_12.49_13.49.pptx
+++ b/Automationdashboard/MAIN_FOLDER/Automation_Dashboard_Batterywise/V2/D12_03_2024/B4_B04_12.49_13.49/analysis_B4_B04_12.49_13.49.pptx
@@ -3234,6 +3234,32 @@
                     <a:lstStyle/>
                     <a:p>
                       <a:r>
+                        <a:t>Date and Time</a:t>
+                      </a:r>
+                    </a:p>
+                  </a:txBody>
+                  <a:tcPr/>
+                </a:tc>
+                <a:tc>
+                  <a:txBody>
+                    <a:bodyPr/>
+                    <a:lstStyle/>
+                    <a:p>
+                      <a:r>
+                        <a:t>2024-03-12 12:46:03.339000 to 2024-03-12 13:49:05.835000</a:t>
+                      </a:r>
+                    </a:p>
+                  </a:txBody>
+                  <a:tcPr/>
+                </a:tc>
+              </a:tr>
+              <a:tr h="326571">
+                <a:tc>
+                  <a:txBody>
+                    <a:bodyPr/>
+                    <a:lstStyle/>
+                    <a:p>
+                      <a:r>
                         <a:t>Total time taken for the ride</a:t>
                       </a:r>
                     </a:p>
@@ -3376,6 +3402,32 @@
                     <a:lstStyle/>
                     <a:p>
                       <a:r>
+                        <a:t>99.0</a:t>
+                      </a:r>
+                    </a:p>
+                  </a:txBody>
+                  <a:tcPr/>
+                </a:tc>
+              </a:tr>
+              <a:tr h="326571">
+                <a:tc>
+                  <a:txBody>
+                    <a:bodyPr/>
+                    <a:lstStyle/>
+                    <a:p>
+                      <a:r>
+                        <a:t>Ending SoC (%)</a:t>
+                      </a:r>
+                    </a:p>
+                  </a:txBody>
+                  <a:tcPr/>
+                </a:tc>
+                <a:tc>
+                  <a:txBody>
+                    <a:bodyPr/>
+                    <a:lstStyle/>
+                    <a:p>
+                      <a:r>
                         <a:t>19.0</a:t>
                       </a:r>
                     </a:p>
@@ -3390,19 +3442,19 @@
                     <a:lstStyle/>
                     <a:p>
                       <a:r>
-                        <a:t>Ending SoC (%)</a:t>
-                      </a:r>
-                    </a:p>
-                  </a:txBody>
-                  <a:tcPr/>
-                </a:tc>
-                <a:tc>
-                  <a:txBody>
-                    <a:bodyPr/>
-                    <a:lstStyle/>
-                    <a:p>
-                      <a:r>
-                        <a:t>99.0</a:t>
+                        <a:t>Total distance covered (km)</a:t>
+                      </a:r>
+                    </a:p>
+                  </a:txBody>
+                  <a:tcPr/>
+                </a:tc>
+                <a:tc>
+                  <a:txBody>
+                    <a:bodyPr/>
+                    <a:lstStyle/>
+                    <a:p>
+                      <a:r>
+                        <a:t>41.76006180344882</a:t>
                       </a:r>
                     </a:p>
                   </a:txBody>
@@ -3416,19 +3468,19 @@
                     <a:lstStyle/>
                     <a:p>
                       <a:r>
-                        <a:t>Total distance covered (in kilometers)</a:t>
-                      </a:r>
-                    </a:p>
-                  </a:txBody>
-                  <a:tcPr/>
-                </a:tc>
-                <a:tc>
-                  <a:txBody>
-                    <a:bodyPr/>
-                    <a:lstStyle/>
-                    <a:p>
-                      <a:r>
-                        <a:t>41.76006180344882</a:t>
+                        <a:t>Total energy consumption(WH/KM)</a:t>
+                      </a:r>
+                    </a:p>
+                  </a:txBody>
+                  <a:tcPr/>
+                </a:tc>
+                <a:tc>
+                  <a:txBody>
+                    <a:bodyPr/>
+                    <a:lstStyle/>
+                    <a:p>
+                      <a:r>
+                        <a:t>39.50029315272026</a:t>
                       </a:r>
                     </a:p>
                   </a:txBody>
@@ -3442,19 +3494,19 @@
                     <a:lstStyle/>
                     <a:p>
                       <a:r>
-                        <a:t>WH/KM</a:t>
-                      </a:r>
-                    </a:p>
-                  </a:txBody>
-                  <a:tcPr/>
-                </a:tc>
-                <a:tc>
-                  <a:txBody>
-                    <a:bodyPr/>
-                    <a:lstStyle/>
-                    <a:p>
-                      <a:r>
-                        <a:t>39.50029315272026</a:t>
+                        <a:t>Total SOC consumed(%)</a:t>
+                      </a:r>
+                    </a:p>
+                  </a:txBody>
+                  <a:tcPr/>
+                </a:tc>
+                <a:tc>
+                  <a:txBody>
+                    <a:bodyPr/>
+                    <a:lstStyle/>
+                    <a:p>
+                      <a:r>
+                        <a:t>80.0</a:t>
                       </a:r>
                     </a:p>
                   </a:txBody>
@@ -3468,32 +3520,6 @@
                     <a:lstStyle/>
                     <a:p>
                       <a:r>
-                        <a:t>Total SOC consumed</a:t>
-                      </a:r>
-                    </a:p>
-                  </a:txBody>
-                  <a:tcPr/>
-                </a:tc>
-                <a:tc>
-                  <a:txBody>
-                    <a:bodyPr/>
-                    <a:lstStyle/>
-                    <a:p>
-                      <a:r>
-                        <a:t>80.0</a:t>
-                      </a:r>
-                    </a:p>
-                  </a:txBody>
-                  <a:tcPr/>
-                </a:tc>
-              </a:tr>
-              <a:tr h="326571">
-                <a:tc>
-                  <a:txBody>
-                    <a:bodyPr/>
-                    <a:lstStyle/>
-                    <a:p>
-                      <a:r>
                         <a:t>Mode</a:t>
                       </a:r>
                     </a:p>
@@ -3528,14 +3554,14 @@
                   <a:tcPr/>
                 </a:tc>
               </a:tr>
-              <a:tr h="326571">
-                <a:tc>
-                  <a:txBody>
-                    <a:bodyPr/>
-                    <a:lstStyle/>
-                    <a:p>
-                      <a:r>
-                        <a:t>Peak Power</a:t>
+              <a:tr h="326577">
+                <a:tc>
+                  <a:txBody>
+                    <a:bodyPr/>
+                    <a:lstStyle/>
+                    <a:p>
+                      <a:r>
+                        <a:t>Peak Power(kW)</a:t>
                       </a:r>
                     </a:p>
                   </a:txBody>
@@ -3548,32 +3574,6 @@
                     <a:p>
                       <a:r>
                         <a:t>4299.58034</a:t>
-                      </a:r>
-                    </a:p>
-                  </a:txBody>
-                  <a:tcPr/>
-                </a:tc>
-              </a:tr>
-              <a:tr h="326577">
-                <a:tc>
-                  <a:txBody>
-                    <a:bodyPr/>
-                    <a:lstStyle/>
-                    <a:p>
-                      <a:r>
-                        <a:t>Average Power</a:t>
-                      </a:r>
-                    </a:p>
-                  </a:txBody>
-                  <a:tcPr/>
-                </a:tc>
-                <a:tc>
-                  <a:txBody>
-                    <a:bodyPr/>
-                    <a:lstStyle/>
-                    <a:p>
-                      <a:r>
-                        <a:t>-1574.3173011460765</a:t>
                       </a:r>
                     </a:p>
                   </a:txBody>
@@ -3678,7 +3678,33 @@
                     <a:lstStyle/>
                     <a:p>
                       <a:r>
-                        <a:t>Total Energy Regenerated</a:t>
+                        <a:t>Average Power(kW)</a:t>
+                      </a:r>
+                    </a:p>
+                  </a:txBody>
+                  <a:tcPr/>
+                </a:tc>
+                <a:tc>
+                  <a:txBody>
+                    <a:bodyPr/>
+                    <a:lstStyle/>
+                    <a:p>
+                      <a:r>
+                        <a:t>-1574.3173011460765</a:t>
+                      </a:r>
+                    </a:p>
+                  </a:txBody>
+                  <a:tcPr/>
+                </a:tc>
+              </a:tr>
+              <a:tr h="326571">
+                <a:tc>
+                  <a:txBody>
+                    <a:bodyPr/>
+                    <a:lstStyle/>
+                    <a:p>
+                      <a:r>
+                        <a:t>Total Energy Regenerated(kWh)</a:t>
                       </a:r>
                     </a:p>
                   </a:txBody>
@@ -3704,19 +3730,19 @@
                     <a:lstStyle/>
                     <a:p>
                       <a:r>
-                        <a:t>Regenerative Effectiveness</a:t>
-                      </a:r>
-                    </a:p>
-                  </a:txBody>
-                  <a:tcPr/>
-                </a:tc>
-                <a:tc>
-                  <a:txBody>
-                    <a:bodyPr/>
-                    <a:lstStyle/>
-                    <a:p>
-                      <a:r>
-                        <a:t>-0.012506592914194505</a:t>
+                        <a:t>Regenerative Effectiveness(%)</a:t>
+                      </a:r>
+                    </a:p>
+                  </a:txBody>
+                  <a:tcPr/>
+                </a:tc>
+                <a:tc>
+                  <a:txBody>
+                    <a:bodyPr/>
+                    <a:lstStyle/>
+                    <a:p>
+                      <a:r>
+                        <a:t>0.012506592914194505</a:t>
                       </a:r>
                     </a:p>
                   </a:txBody>
@@ -3730,7 +3756,33 @@
                     <a:lstStyle/>
                     <a:p>
                       <a:r>
-                        <a:t>Lowest Cell Voltage</a:t>
+                        <a:t>Highest Cell Voltage(V)</a:t>
+                      </a:r>
+                    </a:p>
+                  </a:txBody>
+                  <a:tcPr/>
+                </a:tc>
+                <a:tc>
+                  <a:txBody>
+                    <a:bodyPr/>
+                    <a:lstStyle/>
+                    <a:p>
+                      <a:r>
+                        <a:t>3.46</a:t>
+                      </a:r>
+                    </a:p>
+                  </a:txBody>
+                  <a:tcPr/>
+                </a:tc>
+              </a:tr>
+              <a:tr h="326571">
+                <a:tc>
+                  <a:txBody>
+                    <a:bodyPr/>
+                    <a:lstStyle/>
+                    <a:p>
+                      <a:r>
+                        <a:t>Lowest Cell Voltage(V)</a:t>
                       </a:r>
                     </a:p>
                   </a:txBody>
@@ -3756,19 +3808,19 @@
                     <a:lstStyle/>
                     <a:p>
                       <a:r>
-                        <a:t>Highest Cell Voltage</a:t>
-                      </a:r>
-                    </a:p>
-                  </a:txBody>
-                  <a:tcPr/>
-                </a:tc>
-                <a:tc>
-                  <a:txBody>
-                    <a:bodyPr/>
-                    <a:lstStyle/>
-                    <a:p>
-                      <a:r>
-                        <a:t>3.46</a:t>
+                        <a:t>Difference in Cell Voltage(V)</a:t>
+                      </a:r>
+                    </a:p>
+                  </a:txBody>
+                  <a:tcPr/>
+                </a:tc>
+                <a:tc>
+                  <a:txBody>
+                    <a:bodyPr/>
+                    <a:lstStyle/>
+                    <a:p>
+                      <a:r>
+                        <a:t>0.36499999999999977</a:t>
                       </a:r>
                     </a:p>
                   </a:txBody>
@@ -3782,19 +3834,19 @@
                     <a:lstStyle/>
                     <a:p>
                       <a:r>
-                        <a:t>Difference in Cell Voltage</a:t>
-                      </a:r>
-                    </a:p>
-                  </a:txBody>
-                  <a:tcPr/>
-                </a:tc>
-                <a:tc>
-                  <a:txBody>
-                    <a:bodyPr/>
-                    <a:lstStyle/>
-                    <a:p>
-                      <a:r>
-                        <a:t>0.36499999999999977</a:t>
+                        <a:t>Minimum Temperature(C)</a:t>
+                      </a:r>
+                    </a:p>
+                  </a:txBody>
+                  <a:tcPr/>
+                </a:tc>
+                <a:tc>
+                  <a:txBody>
+                    <a:bodyPr/>
+                    <a:lstStyle/>
+                    <a:p>
+                      <a:r>
+                        <a:t>36.0</a:t>
                       </a:r>
                     </a:p>
                   </a:txBody>
@@ -3808,19 +3860,19 @@
                     <a:lstStyle/>
                     <a:p>
                       <a:r>
-                        <a:t>Minimum Temperature</a:t>
-                      </a:r>
-                    </a:p>
-                  </a:txBody>
-                  <a:tcPr/>
-                </a:tc>
-                <a:tc>
-                  <a:txBody>
-                    <a:bodyPr/>
-                    <a:lstStyle/>
-                    <a:p>
-                      <a:r>
-                        <a:t>36.0</a:t>
+                        <a:t>Maximum Temperature(C)</a:t>
+                      </a:r>
+                    </a:p>
+                  </a:txBody>
+                  <a:tcPr/>
+                </a:tc>
+                <a:tc>
+                  <a:txBody>
+                    <a:bodyPr/>
+                    <a:lstStyle/>
+                    <a:p>
+                      <a:r>
+                        <a:t>45.0</a:t>
                       </a:r>
                     </a:p>
                   </a:txBody>
@@ -3834,19 +3886,19 @@
                     <a:lstStyle/>
                     <a:p>
                       <a:r>
-                        <a:t>Maximum Temperature</a:t>
-                      </a:r>
-                    </a:p>
-                  </a:txBody>
-                  <a:tcPr/>
-                </a:tc>
-                <a:tc>
-                  <a:txBody>
-                    <a:bodyPr/>
-                    <a:lstStyle/>
-                    <a:p>
-                      <a:r>
-                        <a:t>45.0</a:t>
+                        <a:t>Difference in Temperature(C)</a:t>
+                      </a:r>
+                    </a:p>
+                  </a:txBody>
+                  <a:tcPr/>
+                </a:tc>
+                <a:tc>
+                  <a:txBody>
+                    <a:bodyPr/>
+                    <a:lstStyle/>
+                    <a:p>
+                      <a:r>
+                        <a:t>9.0</a:t>
                       </a:r>
                     </a:p>
                   </a:txBody>
@@ -3860,19 +3912,19 @@
                     <a:lstStyle/>
                     <a:p>
                       <a:r>
-                        <a:t>Difference in Temperature</a:t>
-                      </a:r>
-                    </a:p>
-                  </a:txBody>
-                  <a:tcPr/>
-                </a:tc>
-                <a:tc>
-                  <a:txBody>
-                    <a:bodyPr/>
-                    <a:lstStyle/>
-                    <a:p>
-                      <a:r>
-                        <a:t>nan</a:t>
+                        <a:t>Maximum Fet Temperature-BMS(C)</a:t>
+                      </a:r>
+                    </a:p>
+                  </a:txBody>
+                  <a:tcPr/>
+                </a:tc>
+                <a:tc>
+                  <a:txBody>
+                    <a:bodyPr/>
+                    <a:lstStyle/>
+                    <a:p>
+                      <a:r>
+                        <a:t>60.0</a:t>
                       </a:r>
                     </a:p>
                   </a:txBody>
@@ -3886,19 +3938,19 @@
                     <a:lstStyle/>
                     <a:p>
                       <a:r>
-                        <a:t>Maximum Fet Temperature</a:t>
-                      </a:r>
-                    </a:p>
-                  </a:txBody>
-                  <a:tcPr/>
-                </a:tc>
-                <a:tc>
-                  <a:txBody>
-                    <a:bodyPr/>
-                    <a:lstStyle/>
-                    <a:p>
-                      <a:r>
-                        <a:t>60.0</a:t>
+                        <a:t>Maximum Afe Temperature-BMS(C)</a:t>
+                      </a:r>
+                    </a:p>
+                  </a:txBody>
+                  <a:tcPr/>
+                </a:tc>
+                <a:tc>
+                  <a:txBody>
+                    <a:bodyPr/>
+                    <a:lstStyle/>
+                    <a:p>
+                      <a:r>
+                        <a:t>59.0</a:t>
                       </a:r>
                     </a:p>
                   </a:txBody>
@@ -3912,7 +3964,7 @@
                     <a:lstStyle/>
                     <a:p>
                       <a:r>
-                        <a:t>Maximum Afe Temperature</a:t>
+                        <a:t>Maximum PCB Temperature-BMS(C)</a:t>
                       </a:r>
                     </a:p>
                   </a:txBody>
@@ -3931,40 +3983,14 @@
                   <a:tcPr/>
                 </a:tc>
               </a:tr>
-              <a:tr h="326571">
-                <a:tc>
-                  <a:txBody>
-                    <a:bodyPr/>
-                    <a:lstStyle/>
-                    <a:p>
-                      <a:r>
-                        <a:t>Maximum PCB Temperature</a:t>
-                      </a:r>
-                    </a:p>
-                  </a:txBody>
-                  <a:tcPr/>
-                </a:tc>
-                <a:tc>
-                  <a:txBody>
-                    <a:bodyPr/>
-                    <a:lstStyle/>
-                    <a:p>
-                      <a:r>
-                        <a:t>59.0</a:t>
-                      </a:r>
-                    </a:p>
-                  </a:txBody>
-                  <a:tcPr/>
-                </a:tc>
-              </a:tr>
-              <a:tr h="326571">
-                <a:tc>
-                  <a:txBody>
-                    <a:bodyPr/>
-                    <a:lstStyle/>
-                    <a:p>
-                      <a:r>
-                        <a:t>Maximum MCU Temperature</a:t>
+              <a:tr h="326577">
+                <a:tc>
+                  <a:txBody>
+                    <a:bodyPr/>
+                    <a:lstStyle/>
+                    <a:p>
+                      <a:r>
+                        <a:t>Maximum MCU Temperature(C)</a:t>
                       </a:r>
                     </a:p>
                   </a:txBody>
@@ -3977,32 +4003,6 @@
                     <a:p>
                       <a:r>
                         <a:t>52.0</a:t>
-                      </a:r>
-                    </a:p>
-                  </a:txBody>
-                  <a:tcPr/>
-                </a:tc>
-              </a:tr>
-              <a:tr h="326577">
-                <a:tc>
-                  <a:txBody>
-                    <a:bodyPr/>
-                    <a:lstStyle/>
-                    <a:p>
-                      <a:r>
-                        <a:t>Maximum Motor Temperature</a:t>
-                      </a:r>
-                    </a:p>
-                  </a:txBody>
-                  <a:tcPr/>
-                </a:tc>
-                <a:tc>
-                  <a:txBody>
-                    <a:bodyPr/>
-                    <a:lstStyle/>
-                    <a:p>
-                      <a:r>
-                        <a:t>91.0</a:t>
                       </a:r>
                     </a:p>
                   </a:txBody>
@@ -4107,7 +4107,33 @@
                     <a:lstStyle/>
                     <a:p>
                       <a:r>
-                        <a:t>Abnormal Motor Temperature Detected</a:t>
+                        <a:t>Maximum Motor Temperature(C)</a:t>
+                      </a:r>
+                    </a:p>
+                  </a:txBody>
+                  <a:tcPr/>
+                </a:tc>
+                <a:tc>
+                  <a:txBody>
+                    <a:bodyPr/>
+                    <a:lstStyle/>
+                    <a:p>
+                      <a:r>
+                        <a:t>91.0</a:t>
+                      </a:r>
+                    </a:p>
+                  </a:txBody>
+                  <a:tcPr/>
+                </a:tc>
+              </a:tr>
+              <a:tr h="326571">
+                <a:tc>
+                  <a:txBody>
+                    <a:bodyPr/>
+                    <a:lstStyle/>
+                    <a:p>
+                      <a:r>
+                        <a:t>Abnormal Motor Temperature Detected(C)</a:t>
                       </a:r>
                     </a:p>
                   </a:txBody>
@@ -4133,7 +4159,7 @@
                     <a:lstStyle/>
                     <a:p>
                       <a:r>
-                        <a:t>lowest cell temp</a:t>
+                        <a:t>highest cell temp(C)</a:t>
                       </a:r>
                     </a:p>
                   </a:txBody>
@@ -4159,7 +4185,7 @@
                     <a:lstStyle/>
                     <a:p>
                       <a:r>
-                        <a:t>highest cell temp</a:t>
+                        <a:t>lowest cell temp(C)</a:t>
                       </a:r>
                     </a:p>
                   </a:txBody>
@@ -4185,7 +4211,7 @@
                     <a:lstStyle/>
                     <a:p>
                       <a:r>
-                        <a:t>Difference between Highest and Lowest Cell Temperature at 100% SOC</a:t>
+                        <a:t>Difference between Highest and Lowest Cell Temperature at 100% SOC(C)</a:t>
                       </a:r>
                     </a:p>
                   </a:txBody>
@@ -4211,19 +4237,19 @@
                     <a:lstStyle/>
                     <a:p>
                       <a:r>
-                        <a:t>Maximum BMS Temperature in C</a:t>
-                      </a:r>
-                    </a:p>
-                  </a:txBody>
-                  <a:tcPr/>
-                </a:tc>
-                <a:tc>
-                  <a:txBody>
-                    <a:bodyPr/>
-                    <a:lstStyle/>
-                    <a:p>
-                      <a:r>
-                        <a:t>60.0</a:t>
+                        <a:t>Battery Voltage(V)</a:t>
+                      </a:r>
+                    </a:p>
+                  </a:txBody>
+                  <a:tcPr/>
+                </a:tc>
+                <a:tc>
+                  <a:txBody>
+                    <a:bodyPr/>
+                    <a:lstStyle/>
+                    <a:p>
+                      <a:r>
+                        <a:t>54.0</a:t>
                       </a:r>
                     </a:p>
                   </a:txBody>
@@ -4237,19 +4263,19 @@
                     <a:lstStyle/>
                     <a:p>
                       <a:r>
-                        <a:t>Battery Voltage</a:t>
-                      </a:r>
-                    </a:p>
-                  </a:txBody>
-                  <a:tcPr/>
-                </a:tc>
-                <a:tc>
-                  <a:txBody>
-                    <a:bodyPr/>
-                    <a:lstStyle/>
-                    <a:p>
-                      <a:r>
-                        <a:t>5.4</a:t>
+                        <a:t>Total energy charged(kWh)</a:t>
+                      </a:r>
+                    </a:p>
+                  </a:txBody>
+                  <a:tcPr/>
+                </a:tc>
+                <a:tc>
+                  <a:txBody>
+                    <a:bodyPr/>
+                    <a:lstStyle/>
+                    <a:p>
+                      <a:r>
+                        <a:t>1.7385247350000002</a:t>
                       </a:r>
                     </a:p>
                   </a:txBody>
@@ -4263,19 +4289,19 @@
                     <a:lstStyle/>
                     <a:p>
                       <a:r>
-                        <a:t>Total energy charged in kWh</a:t>
-                      </a:r>
-                    </a:p>
-                  </a:txBody>
-                  <a:tcPr/>
-                </a:tc>
-                <a:tc>
-                  <a:txBody>
-                    <a:bodyPr/>
-                    <a:lstStyle/>
-                    <a:p>
-                      <a:r>
-                        <a:t>0.17385247350000002</a:t>
+                        <a:t>Electricity consumption units(kW)</a:t>
+                      </a:r>
+                    </a:p>
+                  </a:txBody>
+                  <a:tcPr/>
+                </a:tc>
+                <a:tc>
+                  <a:txBody>
+                    <a:bodyPr/>
+                    <a:lstStyle/>
+                    <a:p>
+                      <a:r>
+                        <a:t>1.2762249933932348e-07</a:t>
                       </a:r>
                     </a:p>
                   </a:txBody>
@@ -4289,19 +4315,19 @@
                     <a:lstStyle/>
                     <a:p>
                       <a:r>
-                        <a:t>Electricity consumption units in kW</a:t>
-                      </a:r>
-                    </a:p>
-                  </a:txBody>
-                  <a:tcPr/>
-                </a:tc>
-                <a:tc>
-                  <a:txBody>
-                    <a:bodyPr/>
-                    <a:lstStyle/>
-                    <a:p>
-                      <a:r>
-                        <a:t>1.2762249933932349e-08</a:t>
+                        <a:t>Cycle Count of battery</a:t>
+                      </a:r>
+                    </a:p>
+                  </a:txBody>
+                  <a:tcPr/>
+                </a:tc>
+                <a:tc>
+                  <a:txBody>
+                    <a:bodyPr/>
+                    <a:lstStyle/>
+                    <a:p>
+                      <a:r>
+                        <a:t>40.0</a:t>
                       </a:r>
                     </a:p>
                   </a:txBody>
@@ -4327,7 +4353,7 @@
                     <a:lstStyle/>
                     <a:p>
                       <a:r>
-                        <a:t>16.208013540724313</a:t>
+                        <a:t>16.955087985525434</a:t>
                       </a:r>
                     </a:p>
                   </a:txBody>
@@ -4353,7 +4379,7 @@
                     <a:lstStyle/>
                     <a:p>
                       <a:r>
-                        <a:t>19.394752969329094</a:t>
+                        <a:t>3.1867394286047803</a:t>
                       </a:r>
                     </a:p>
                   </a:txBody>
@@ -4379,14 +4405,14 @@
                     <a:lstStyle/>
                     <a:p>
                       <a:r>
-                        <a:t>3.323897627454986</a:t>
-                      </a:r>
-                    </a:p>
-                  </a:txBody>
-                  <a:tcPr/>
-                </a:tc>
-              </a:tr>
-              <a:tr h="326571">
+                        <a:t>3.318061108354977</a:t>
+                      </a:r>
+                    </a:p>
+                  </a:txBody>
+                  <a:tcPr/>
+                </a:tc>
+              </a:tr>
+              <a:tr h="326577">
                 <a:tc>
                   <a:txBody>
                     <a:bodyPr/>
@@ -4405,33 +4431,7 @@
                     <a:lstStyle/>
                     <a:p>
                       <a:r>
-                        <a:t>2.9737064814544607</a:t>
-                      </a:r>
-                    </a:p>
-                  </a:txBody>
-                  <a:tcPr/>
-                </a:tc>
-              </a:tr>
-              <a:tr h="326577">
-                <a:tc>
-                  <a:txBody>
-                    <a:bodyPr/>
-                    <a:lstStyle/>
-                    <a:p>
-                      <a:r>
-                        <a:t>Time spent in 30-40 km/h</a:t>
-                      </a:r>
-                    </a:p>
-                  </a:txBody>
-                  <a:tcPr/>
-                </a:tc>
-                <a:tc>
-                  <a:txBody>
-                    <a:bodyPr/>
-                    <a:lstStyle/>
-                    <a:p>
-                      <a:r>
-                        <a:t>14.217760527621326</a:t>
+                        <a:t>2.9678699623544516</a:t>
                       </a:r>
                     </a:p>
                   </a:txBody>
@@ -4536,6 +4536,32 @@
                     <a:lstStyle/>
                     <a:p>
                       <a:r>
+                        <a:t>Time spent in 30-40 km/h</a:t>
+                      </a:r>
+                    </a:p>
+                  </a:txBody>
+                  <a:tcPr/>
+                </a:tc>
+                <a:tc>
+                  <a:txBody>
+                    <a:bodyPr/>
+                    <a:lstStyle/>
+                    <a:p>
+                      <a:r>
+                        <a:t>14.217760527621326</a:t>
+                      </a:r>
+                    </a:p>
+                  </a:txBody>
+                  <a:tcPr/>
+                </a:tc>
+              </a:tr>
+              <a:tr h="326571">
+                <a:tc>
+                  <a:txBody>
+                    <a:bodyPr/>
+                    <a:lstStyle/>
+                    <a:p>
+                      <a:r>
                         <a:t>Time spent in 40-50 km/h</a:t>
                       </a:r>
                     </a:p>
@@ -4548,7 +4574,7 @@
                     <a:lstStyle/>
                     <a:p>
                       <a:r>
-                        <a:t>9.67403040826451</a:t>
+                        <a:t>9.656520850964485</a:t>
                       </a:r>
                     </a:p>
                   </a:txBody>
@@ -4574,7 +4600,7 @@
                     <a:lstStyle/>
                     <a:p>
                       <a:r>
-                        <a:t>42.195114833513294</a:t>
+                        <a:t>42.17468701666326</a:t>
                       </a:r>
                     </a:p>
                   </a:txBody>
@@ -4600,7 +4626,7 @@
                     <a:lstStyle/>
                     <a:p>
                       <a:r>
-                        <a:t>7.47366270756121</a:t>
+                        <a:t>7.409460997461115</a:t>
                       </a:r>
                     </a:p>
                   </a:txBody>
@@ -4612,15 +4638,23 @@
                   <a:txBody>
                     <a:bodyPr/>
                     <a:lstStyle/>
-                    <a:p/>
-                  </a:txBody>
-                  <a:tcPr/>
-                </a:tc>
-                <a:tc>
-                  <a:txBody>
-                    <a:bodyPr/>
-                    <a:lstStyle/>
-                    <a:p/>
+                    <a:p>
+                      <a:r>
+                        <a:t>Time spent in 70-80 km/h</a:t>
+                      </a:r>
+                    </a:p>
+                  </a:txBody>
+                  <a:tcPr/>
+                </a:tc>
+                <a:tc>
+                  <a:txBody>
+                    <a:bodyPr/>
+                    <a:lstStyle/>
+                    <a:p>
+                      <a:r>
+                        <a:t>0.0</a:t>
+                      </a:r>
+                    </a:p>
                   </a:txBody>
                   <a:tcPr/>
                 </a:tc>
@@ -4630,33 +4664,23 @@
                   <a:txBody>
                     <a:bodyPr/>
                     <a:lstStyle/>
-                    <a:p/>
-                  </a:txBody>
-                  <a:tcPr/>
-                </a:tc>
-                <a:tc>
-                  <a:txBody>
-                    <a:bodyPr/>
-                    <a:lstStyle/>
-                    <a:p/>
-                  </a:txBody>
-                  <a:tcPr/>
-                </a:tc>
-              </a:tr>
-              <a:tr h="326571">
-                <a:tc>
-                  <a:txBody>
-                    <a:bodyPr/>
-                    <a:lstStyle/>
-                    <a:p/>
-                  </a:txBody>
-                  <a:tcPr/>
-                </a:tc>
-                <a:tc>
-                  <a:txBody>
-                    <a:bodyPr/>
-                    <a:lstStyle/>
-                    <a:p/>
+                    <a:p>
+                      <a:r>
+                        <a:t>Time spent in 80-90 km/h</a:t>
+                      </a:r>
+                    </a:p>
+                  </a:txBody>
+                  <a:tcPr/>
+                </a:tc>
+                <a:tc>
+                  <a:txBody>
+                    <a:bodyPr/>
+                    <a:lstStyle/>
+                    <a:p>
+                      <a:r>
+                        <a:t>0.0</a:t>
+                      </a:r>
+                    </a:p>
                   </a:txBody>
                   <a:tcPr/>
                 </a:tc>
